--- a/IMS Documentation/IMS presentation.pptx
+++ b/IMS Documentation/IMS presentation.pptx
@@ -112,6 +112,11 @@
       </a:defRPr>
     </a:lvl9pPr>
   </p:defaultTextStyle>
+  <p:extLst>
+    <p:ext uri="{EFAFB233-063F-42B5-8137-9DF3F51BA10A}">
+      <p15:sldGuideLst xmlns:p15="http://schemas.microsoft.com/office/powerpoint/2012/main"/>
+    </p:ext>
+  </p:extLst>
 </p:presentation>
 </file>
 
@@ -341,7 +346,7 @@
           <a:p>
             <a:fld id="{3861A384-0E5C-4D95-AB63-680F19A71FFB}" type="datetimeFigureOut">
               <a:rPr lang="en-GB" smtClean="0"/>
-              <a:t>17/09/2020</a:t>
+              <a:t>18/09/2020</a:t>
             </a:fld>
             <a:endParaRPr lang="en-GB"/>
           </a:p>
@@ -549,7 +554,7 @@
           <a:p>
             <a:fld id="{3861A384-0E5C-4D95-AB63-680F19A71FFB}" type="datetimeFigureOut">
               <a:rPr lang="en-GB" smtClean="0"/>
-              <a:t>17/09/2020</a:t>
+              <a:t>18/09/2020</a:t>
             </a:fld>
             <a:endParaRPr lang="en-GB"/>
           </a:p>
@@ -805,7 +810,7 @@
           <a:p>
             <a:fld id="{3861A384-0E5C-4D95-AB63-680F19A71FFB}" type="datetimeFigureOut">
               <a:rPr lang="en-GB" smtClean="0"/>
-              <a:t>17/09/2020</a:t>
+              <a:t>18/09/2020</a:t>
             </a:fld>
             <a:endParaRPr lang="en-GB"/>
           </a:p>
@@ -979,7 +984,7 @@
           <a:p>
             <a:fld id="{3861A384-0E5C-4D95-AB63-680F19A71FFB}" type="datetimeFigureOut">
               <a:rPr lang="en-GB" smtClean="0"/>
-              <a:t>17/09/2020</a:t>
+              <a:t>18/09/2020</a:t>
             </a:fld>
             <a:endParaRPr lang="en-GB"/>
           </a:p>
@@ -1322,7 +1327,7 @@
           <a:p>
             <a:fld id="{3861A384-0E5C-4D95-AB63-680F19A71FFB}" type="datetimeFigureOut">
               <a:rPr lang="en-GB" smtClean="0"/>
-              <a:t>17/09/2020</a:t>
+              <a:t>18/09/2020</a:t>
             </a:fld>
             <a:endParaRPr lang="en-GB"/>
           </a:p>
@@ -1597,7 +1602,7 @@
           <a:p>
             <a:fld id="{3861A384-0E5C-4D95-AB63-680F19A71FFB}" type="datetimeFigureOut">
               <a:rPr lang="en-GB" smtClean="0"/>
-              <a:t>17/09/2020</a:t>
+              <a:t>18/09/2020</a:t>
             </a:fld>
             <a:endParaRPr lang="en-GB"/>
           </a:p>
@@ -1976,7 +1981,7 @@
           <a:p>
             <a:fld id="{3861A384-0E5C-4D95-AB63-680F19A71FFB}" type="datetimeFigureOut">
               <a:rPr lang="en-GB" smtClean="0"/>
-              <a:t>17/09/2020</a:t>
+              <a:t>18/09/2020</a:t>
             </a:fld>
             <a:endParaRPr lang="en-GB"/>
           </a:p>
@@ -2094,7 +2099,7 @@
           <a:p>
             <a:fld id="{3861A384-0E5C-4D95-AB63-680F19A71FFB}" type="datetimeFigureOut">
               <a:rPr lang="en-GB" smtClean="0"/>
-              <a:t>17/09/2020</a:t>
+              <a:t>18/09/2020</a:t>
             </a:fld>
             <a:endParaRPr lang="en-GB"/>
           </a:p>
@@ -2265,7 +2270,7 @@
           <a:p>
             <a:fld id="{3861A384-0E5C-4D95-AB63-680F19A71FFB}" type="datetimeFigureOut">
               <a:rPr lang="en-GB" smtClean="0"/>
-              <a:t>17/09/2020</a:t>
+              <a:t>18/09/2020</a:t>
             </a:fld>
             <a:endParaRPr lang="en-GB"/>
           </a:p>
@@ -2619,7 +2624,7 @@
           <a:p>
             <a:fld id="{3861A384-0E5C-4D95-AB63-680F19A71FFB}" type="datetimeFigureOut">
               <a:rPr lang="en-GB" smtClean="0"/>
-              <a:t>17/09/2020</a:t>
+              <a:t>18/09/2020</a:t>
             </a:fld>
             <a:endParaRPr lang="en-GB"/>
           </a:p>
@@ -3001,7 +3006,7 @@
           <a:p>
             <a:fld id="{3861A384-0E5C-4D95-AB63-680F19A71FFB}" type="datetimeFigureOut">
               <a:rPr lang="en-GB" smtClean="0"/>
-              <a:t>17/09/2020</a:t>
+              <a:t>18/09/2020</a:t>
             </a:fld>
             <a:endParaRPr lang="en-GB"/>
           </a:p>
@@ -3288,7 +3293,7 @@
           <a:p>
             <a:fld id="{3861A384-0E5C-4D95-AB63-680F19A71FFB}" type="datetimeFigureOut">
               <a:rPr lang="en-GB" smtClean="0"/>
-              <a:t>17/09/2020</a:t>
+              <a:t>18/09/2020</a:t>
             </a:fld>
             <a:endParaRPr lang="en-GB"/>
           </a:p>
@@ -3798,6 +3803,14 @@
 <file path=ppt/slides/slide1.xml><?xml version="1.0" encoding="utf-8"?>
 <p:sld xmlns:a="http://schemas.openxmlformats.org/drawingml/2006/main" xmlns:r="http://schemas.openxmlformats.org/officeDocument/2006/relationships" xmlns:p="http://schemas.openxmlformats.org/presentationml/2006/main">
   <p:cSld>
+    <p:bg>
+      <p:bgPr>
+        <a:solidFill>
+          <a:schemeClr val="bg1"/>
+        </a:solidFill>
+        <a:effectLst/>
+      </p:bgPr>
+    </p:bg>
     <p:spTree>
       <p:nvGrpSpPr>
         <p:cNvPr id="1" name=""/>
@@ -3812,6 +3825,66 @@
           <a:chExt cx="0" cy="0"/>
         </a:xfrm>
       </p:grpSpPr>
+      <p:sp useBgFill="1">
+        <p:nvSpPr>
+          <p:cNvPr id="17" name="Rectangle 16">
+            <a:extLst>
+              <a:ext uri="{FF2B5EF4-FFF2-40B4-BE49-F238E27FC236}">
+                <a16:creationId xmlns:a16="http://schemas.microsoft.com/office/drawing/2014/main" id="{8C6E698C-8155-4B8B-BDC9-B7299772B509}"/>
+              </a:ext>
+              <a:ext uri="{C183D7F6-B498-43B3-948B-1728B52AA6E4}">
+                <adec:decorative xmlns:adec="http://schemas.microsoft.com/office/drawing/2017/decorative" val="1"/>
+              </a:ext>
+            </a:extLst>
+          </p:cNvPr>
+          <p:cNvSpPr>
+            <a:spLocks noGrp="1" noRot="1" noChangeAspect="1" noMove="1" noResize="1" noEditPoints="1" noAdjustHandles="1" noChangeArrowheads="1" noChangeShapeType="1" noTextEdit="1"/>
+          </p:cNvSpPr>
+          <p:nvPr>
+            <p:extLst>
+              <p:ext uri="{386F3935-93C4-4BCD-93E2-E3B085C9AB24}">
+                <p16:designElem xmlns:p16="http://schemas.microsoft.com/office/powerpoint/2015/main" val="1"/>
+              </p:ext>
+            </p:extLst>
+          </p:nvPr>
+        </p:nvSpPr>
+        <p:spPr>
+          <a:xfrm>
+            <a:off x="0" y="0"/>
+            <a:ext cx="12188952" cy="6858000"/>
+          </a:xfrm>
+          <a:prstGeom prst="rect">
+            <a:avLst/>
+          </a:prstGeom>
+          <a:ln>
+            <a:noFill/>
+          </a:ln>
+        </p:spPr>
+        <p:style>
+          <a:lnRef idx="2">
+            <a:schemeClr val="accent1">
+              <a:shade val="50000"/>
+            </a:schemeClr>
+          </a:lnRef>
+          <a:fillRef idx="1">
+            <a:schemeClr val="accent1"/>
+          </a:fillRef>
+          <a:effectRef idx="0">
+            <a:schemeClr val="accent1"/>
+          </a:effectRef>
+          <a:fontRef idx="minor">
+            <a:schemeClr val="lt1"/>
+          </a:fontRef>
+        </p:style>
+        <p:txBody>
+          <a:bodyPr rtlCol="0" anchor="ctr"/>
+          <a:lstStyle/>
+          <a:p>
+            <a:pPr algn="ctr"/>
+            <a:endParaRPr lang="en-US"/>
+          </a:p>
+        </p:txBody>
+      </p:sp>
       <p:sp>
         <p:nvSpPr>
           <p:cNvPr id="2" name="Title 1">
@@ -3828,15 +3901,24 @@
             <p:ph type="ctrTitle"/>
           </p:nvPr>
         </p:nvSpPr>
-        <p:spPr/>
+        <p:spPr>
+          <a:xfrm>
+            <a:off x="965201" y="643467"/>
+            <a:ext cx="6255026" cy="5054008"/>
+          </a:xfrm>
+        </p:spPr>
         <p:txBody>
-          <a:bodyPr/>
+          <a:bodyPr anchor="ctr">
+            <a:normAutofit/>
+          </a:bodyPr>
           <a:lstStyle/>
           <a:p>
+            <a:pPr algn="r"/>
             <a:r>
               <a:rPr lang="en-GB" dirty="0"/>
               <a:t>IMS Project</a:t>
             </a:r>
+            <a:endParaRPr lang="en-GB"/>
           </a:p>
         </p:txBody>
       </p:sp>
@@ -3856,14 +3938,192 @@
             <p:ph type="subTitle" idx="1"/>
           </p:nvPr>
         </p:nvSpPr>
-        <p:spPr/>
+        <p:spPr>
+          <a:xfrm>
+            <a:off x="7870995" y="643467"/>
+            <a:ext cx="3341488" cy="5054008"/>
+          </a:xfrm>
+        </p:spPr>
         <p:txBody>
-          <a:bodyPr/>
+          <a:bodyPr anchor="ctr">
+            <a:normAutofit/>
+          </a:bodyPr>
           <a:lstStyle/>
           <a:p>
-            <a:endParaRPr lang="en-GB"/>
+            <a:r>
+              <a:rPr lang="en-GB" cap="none"/>
+              <a:t>Tay Dzonu</a:t>
+            </a:r>
+          </a:p>
+          <a:p>
+            <a:r>
+              <a:rPr lang="en-GB"/>
+              <a:t>18/09/2020</a:t>
+            </a:r>
           </a:p>
         </p:txBody>
+      </p:sp>
+      <p:cxnSp>
+        <p:nvCxnSpPr>
+          <p:cNvPr id="19" name="Straight Connector 18">
+            <a:extLst>
+              <a:ext uri="{FF2B5EF4-FFF2-40B4-BE49-F238E27FC236}">
+                <a16:creationId xmlns:a16="http://schemas.microsoft.com/office/drawing/2014/main" id="{09525C9A-1972-4836-BA7A-706C946EF4DA}"/>
+              </a:ext>
+              <a:ext uri="{C183D7F6-B498-43B3-948B-1728B52AA6E4}">
+                <adec:decorative xmlns:adec="http://schemas.microsoft.com/office/drawing/2017/decorative" val="1"/>
+              </a:ext>
+            </a:extLst>
+          </p:cNvPr>
+          <p:cNvCxnSpPr>
+            <a:cxnSpLocks noGrp="1" noRot="1" noChangeAspect="1" noMove="1" noResize="1" noEditPoints="1" noAdjustHandles="1" noChangeArrowheads="1" noChangeShapeType="1"/>
+          </p:cNvCxnSpPr>
+          <p:nvPr>
+            <p:extLst>
+              <p:ext uri="{386F3935-93C4-4BCD-93E2-E3B085C9AB24}">
+                <p16:designElem xmlns:p16="http://schemas.microsoft.com/office/powerpoint/2015/main" val="1"/>
+              </p:ext>
+            </p:extLst>
+          </p:nvPr>
+        </p:nvCxnSpPr>
+        <p:spPr>
+          <a:xfrm>
+            <a:off x="7534656" y="1391367"/>
+            <a:ext cx="0" cy="3558208"/>
+          </a:xfrm>
+          <a:prstGeom prst="line">
+            <a:avLst/>
+          </a:prstGeom>
+          <a:ln>
+            <a:solidFill>
+              <a:schemeClr val="tx2"/>
+            </a:solidFill>
+          </a:ln>
+        </p:spPr>
+        <p:style>
+          <a:lnRef idx="1">
+            <a:schemeClr val="accent1"/>
+          </a:lnRef>
+          <a:fillRef idx="0">
+            <a:schemeClr val="accent1"/>
+          </a:fillRef>
+          <a:effectRef idx="0">
+            <a:schemeClr val="accent1"/>
+          </a:effectRef>
+          <a:fontRef idx="minor">
+            <a:schemeClr val="tx1"/>
+          </a:fontRef>
+        </p:style>
+      </p:cxnSp>
+      <p:sp>
+        <p:nvSpPr>
+          <p:cNvPr id="21" name="Rectangle 20">
+            <a:extLst>
+              <a:ext uri="{FF2B5EF4-FFF2-40B4-BE49-F238E27FC236}">
+                <a16:creationId xmlns:a16="http://schemas.microsoft.com/office/drawing/2014/main" id="{8A549DE7-671D-4575-AF43-858FD99981CF}"/>
+              </a:ext>
+              <a:ext uri="{C183D7F6-B498-43B3-948B-1728B52AA6E4}">
+                <adec:decorative xmlns:adec="http://schemas.microsoft.com/office/drawing/2017/decorative" val="1"/>
+              </a:ext>
+            </a:extLst>
+          </p:cNvPr>
+          <p:cNvSpPr>
+            <a:spLocks noGrp="1" noRot="1" noChangeAspect="1" noMove="1" noResize="1" noEditPoints="1" noAdjustHandles="1" noChangeArrowheads="1" noChangeShapeType="1" noTextEdit="1"/>
+          </p:cNvSpPr>
+          <p:nvPr>
+            <p:extLst>
+              <p:ext uri="{386F3935-93C4-4BCD-93E2-E3B085C9AB24}">
+                <p16:designElem xmlns:p16="http://schemas.microsoft.com/office/powerpoint/2015/main" val="1"/>
+              </p:ext>
+            </p:extLst>
+          </p:nvPr>
+        </p:nvSpPr>
+        <p:spPr>
+          <a:xfrm>
+            <a:off x="3175" y="6400800"/>
+            <a:ext cx="12188825" cy="457200"/>
+          </a:xfrm>
+          <a:prstGeom prst="rect">
+            <a:avLst/>
+          </a:prstGeom>
+          <a:solidFill>
+            <a:schemeClr val="accent2"/>
+          </a:solidFill>
+          <a:ln>
+            <a:noFill/>
+          </a:ln>
+        </p:spPr>
+        <p:style>
+          <a:lnRef idx="2">
+            <a:schemeClr val="accent1">
+              <a:shade val="50000"/>
+            </a:schemeClr>
+          </a:lnRef>
+          <a:fillRef idx="1">
+            <a:schemeClr val="accent1"/>
+          </a:fillRef>
+          <a:effectRef idx="0">
+            <a:schemeClr val="accent1"/>
+          </a:effectRef>
+          <a:fontRef idx="minor">
+            <a:schemeClr val="lt1"/>
+          </a:fontRef>
+        </p:style>
+      </p:sp>
+      <p:sp>
+        <p:nvSpPr>
+          <p:cNvPr id="23" name="Rectangle 22">
+            <a:extLst>
+              <a:ext uri="{FF2B5EF4-FFF2-40B4-BE49-F238E27FC236}">
+                <a16:creationId xmlns:a16="http://schemas.microsoft.com/office/drawing/2014/main" id="{C22D9B36-9BE7-472B-8808-7E0D6810738F}"/>
+              </a:ext>
+              <a:ext uri="{C183D7F6-B498-43B3-948B-1728B52AA6E4}">
+                <adec:decorative xmlns:adec="http://schemas.microsoft.com/office/drawing/2017/decorative" val="1"/>
+              </a:ext>
+            </a:extLst>
+          </p:cNvPr>
+          <p:cNvSpPr>
+            <a:spLocks noGrp="1" noRot="1" noChangeAspect="1" noMove="1" noResize="1" noEditPoints="1" noAdjustHandles="1" noChangeArrowheads="1" noChangeShapeType="1" noTextEdit="1"/>
+          </p:cNvSpPr>
+          <p:nvPr>
+            <p:extLst>
+              <p:ext uri="{386F3935-93C4-4BCD-93E2-E3B085C9AB24}">
+                <p16:designElem xmlns:p16="http://schemas.microsoft.com/office/powerpoint/2015/main" val="1"/>
+              </p:ext>
+            </p:extLst>
+          </p:nvPr>
+        </p:nvSpPr>
+        <p:spPr>
+          <a:xfrm>
+            <a:off x="15" y="6340942"/>
+            <a:ext cx="12188825" cy="64008"/>
+          </a:xfrm>
+          <a:prstGeom prst="rect">
+            <a:avLst/>
+          </a:prstGeom>
+          <a:solidFill>
+            <a:schemeClr val="accent1"/>
+          </a:solidFill>
+          <a:ln>
+            <a:noFill/>
+          </a:ln>
+        </p:spPr>
+        <p:style>
+          <a:lnRef idx="2">
+            <a:schemeClr val="accent1">
+              <a:shade val="50000"/>
+            </a:schemeClr>
+          </a:lnRef>
+          <a:fillRef idx="1">
+            <a:schemeClr val="accent1"/>
+          </a:fillRef>
+          <a:effectRef idx="0">
+            <a:schemeClr val="accent1"/>
+          </a:effectRef>
+          <a:fontRef idx="minor">
+            <a:schemeClr val="lt1"/>
+          </a:fontRef>
+        </p:style>
       </p:sp>
     </p:spTree>
     <p:extLst>
@@ -4137,7 +4397,7 @@
             </a:pPr>
             <a:r>
               <a:rPr lang="en-GB" dirty="0"/>
-              <a:t>Junit – Unit Testing</a:t>
+              <a:t>JUnit – Unit Testing</a:t>
             </a:r>
           </a:p>
           <a:p>
@@ -4345,7 +4605,7 @@
           <a:p>
             <a:r>
               <a:rPr lang="en-GB" dirty="0"/>
-              <a:t>ERD</a:t>
+              <a:t>Entity Relationship Diagram (ERD)</a:t>
             </a:r>
           </a:p>
         </p:txBody>
@@ -5313,7 +5573,7 @@
           <p:nvPr>
             <p:extLst>
               <p:ext uri="{D42A27DB-BD31-4B8C-83A1-F6EECF244321}">
-                <p14:modId xmlns:p14="http://schemas.microsoft.com/office/powerpoint/2010/main" val="445230299"/>
+                <p14:modId xmlns:p14="http://schemas.microsoft.com/office/powerpoint/2010/main" val="744550097"/>
               </p:ext>
             </p:extLst>
           </p:nvPr>
@@ -5367,7 +5627,7 @@
                         </a:spcAft>
                       </a:pPr>
                       <a:r>
-                        <a:rPr lang="en-GB" sz="1600" kern="1400">
+                        <a:rPr lang="en-GB" sz="1600" kern="1400" dirty="0">
                           <a:ln>
                             <a:noFill/>
                           </a:ln>
@@ -5377,9 +5637,9 @@
                           <a:effectLst/>
                           <a:latin typeface="Calibri" panose="020F0502020204030204" pitchFamily="34" charset="0"/>
                         </a:rPr>
-                        <a:t>Order </a:t>
+                        <a:t>Orders</a:t>
                       </a:r>
-                      <a:endParaRPr lang="en-GB" sz="1000" kern="1400">
+                      <a:endParaRPr lang="en-GB" sz="1000" kern="1400" dirty="0">
                         <a:ln>
                           <a:noFill/>
                         </a:ln>
@@ -6466,7 +6726,7 @@
           <p:nvPr>
             <p:extLst>
               <p:ext uri="{D42A27DB-BD31-4B8C-83A1-F6EECF244321}">
-                <p14:modId xmlns:p14="http://schemas.microsoft.com/office/powerpoint/2010/main" val="1493633099"/>
+                <p14:modId xmlns:p14="http://schemas.microsoft.com/office/powerpoint/2010/main" val="270789391"/>
               </p:ext>
             </p:extLst>
           </p:nvPr>
@@ -6530,7 +6790,7 @@
                           <a:effectLst/>
                           <a:latin typeface="Calibri" panose="020F0502020204030204" pitchFamily="34" charset="0"/>
                         </a:rPr>
-                        <a:t>Item </a:t>
+                        <a:t>Items </a:t>
                       </a:r>
                       <a:endParaRPr lang="en-GB" sz="1000" kern="1400" dirty="0">
                         <a:ln>
@@ -9445,7 +9705,7 @@
           <p:nvPr>
             <p:extLst>
               <p:ext uri="{D42A27DB-BD31-4B8C-83A1-F6EECF244321}">
-                <p14:modId xmlns:p14="http://schemas.microsoft.com/office/powerpoint/2010/main" val="2541193749"/>
+                <p14:modId xmlns:p14="http://schemas.microsoft.com/office/powerpoint/2010/main" val="2456573469"/>
               </p:ext>
             </p:extLst>
           </p:nvPr>
@@ -9509,7 +9769,7 @@
                           <a:effectLst/>
                           <a:latin typeface="Calibri" panose="020F0502020204030204" pitchFamily="34" charset="0"/>
                         </a:rPr>
-                        <a:t>Account</a:t>
+                        <a:t>Accounts</a:t>
                       </a:r>
                       <a:endParaRPr lang="en-GB" sz="1000" kern="1400" dirty="0">
                         <a:ln>
@@ -11208,6 +11468,14 @@
 <file path=ppt/slides/slide9.xml><?xml version="1.0" encoding="utf-8"?>
 <p:sld xmlns:a="http://schemas.openxmlformats.org/drawingml/2006/main" xmlns:r="http://schemas.openxmlformats.org/officeDocument/2006/relationships" xmlns:p="http://schemas.openxmlformats.org/presentationml/2006/main">
   <p:cSld>
+    <p:bg>
+      <p:bgPr>
+        <a:solidFill>
+          <a:schemeClr val="bg1"/>
+        </a:solidFill>
+        <a:effectLst/>
+      </p:bgPr>
+    </p:bg>
     <p:spTree>
       <p:nvGrpSpPr>
         <p:cNvPr id="1" name=""/>
@@ -11324,6 +11592,45 @@
             <a:r>
               <a:rPr lang="en-GB" dirty="0"/>
               <a:t>Keep in mind SOLID principles and Design patterns</a:t>
+            </a:r>
+          </a:p>
+        </p:txBody>
+      </p:sp>
+      <p:sp>
+        <p:nvSpPr>
+          <p:cNvPr id="4" name="TextBox 3">
+            <a:extLst>
+              <a:ext uri="{FF2B5EF4-FFF2-40B4-BE49-F238E27FC236}">
+                <a16:creationId xmlns:a16="http://schemas.microsoft.com/office/drawing/2014/main" id="{B4CC4E3B-451B-41CE-B8E0-37B7A240D656}"/>
+              </a:ext>
+            </a:extLst>
+          </p:cNvPr>
+          <p:cNvSpPr txBox="1"/>
+          <p:nvPr/>
+        </p:nvSpPr>
+        <p:spPr>
+          <a:xfrm>
+            <a:off x="1097280" y="6396335"/>
+            <a:ext cx="3019545" cy="461665"/>
+          </a:xfrm>
+          <a:prstGeom prst="rect">
+            <a:avLst/>
+          </a:prstGeom>
+          <a:noFill/>
+        </p:spPr>
+        <p:txBody>
+          <a:bodyPr wrap="none" rtlCol="0">
+            <a:spAutoFit/>
+          </a:bodyPr>
+          <a:lstStyle/>
+          <a:p>
+            <a:r>
+              <a:rPr lang="en-GB" sz="2400" dirty="0">
+                <a:solidFill>
+                  <a:schemeClr val="bg1"/>
+                </a:solidFill>
+              </a:rPr>
+              <a:t>Thank you for listening</a:t>
             </a:r>
           </a:p>
         </p:txBody>
